--- a/CSgo.pptx
+++ b/CSgo.pptx
@@ -211,7 +211,7 @@
           <a:effectLst/>
           <a:extLst>
             <a:ext uri="{91240B29-F687-4f45-9708-019B960494DF}">
-              <a14:hiddenLine xmlns:a14="http://schemas.microsoft.com/office/drawing/2010/main" xmlns="" w="9525">
+              <a14:hiddenLine xmlns="" xmlns:a14="http://schemas.microsoft.com/office/drawing/2010/main" w="9525">
                 <a:solidFill>
                   <a:srgbClr val="000000"/>
                 </a:solidFill>
@@ -403,7 +403,7 @@
           <a:p>
             <a:fld id="{01054502-E482-45BF-A728-B52144ABF0AA}" type="datetimeFigureOut">
               <a:rPr lang="hu-HU" smtClean="0"/>
-              <a:t>2023. 04. 28.</a:t>
+              <a:t>2023. 05. 02.</a:t>
             </a:fld>
             <a:endParaRPr lang="hu-HU"/>
           </a:p>
@@ -721,7 +721,7 @@
           <a:p>
             <a:fld id="{01054502-E482-45BF-A728-B52144ABF0AA}" type="datetimeFigureOut">
               <a:rPr lang="hu-HU" smtClean="0"/>
-              <a:t>2023. 04. 28.</a:t>
+              <a:t>2023. 05. 02.</a:t>
             </a:fld>
             <a:endParaRPr lang="hu-HU"/>
           </a:p>
@@ -1209,7 +1209,7 @@
           <a:p>
             <a:fld id="{01054502-E482-45BF-A728-B52144ABF0AA}" type="datetimeFigureOut">
               <a:rPr lang="hu-HU" smtClean="0"/>
-              <a:t>2023. 04. 28.</a:t>
+              <a:t>2023. 05. 02.</a:t>
             </a:fld>
             <a:endParaRPr lang="hu-HU"/>
           </a:p>
@@ -1578,7 +1578,7 @@
           <a:p>
             <a:fld id="{01054502-E482-45BF-A728-B52144ABF0AA}" type="datetimeFigureOut">
               <a:rPr lang="hu-HU" smtClean="0"/>
-              <a:t>2023. 04. 28.</a:t>
+              <a:t>2023. 05. 02.</a:t>
             </a:fld>
             <a:endParaRPr lang="hu-HU"/>
           </a:p>
@@ -1733,7 +1733,7 @@
           <a:ln/>
           <a:extLst>
             <a:ext uri="{91240B29-F687-4f45-9708-019B960494DF}">
-              <a14:hiddenLine xmlns:a14="http://schemas.microsoft.com/office/drawing/2010/main" xmlns="" w="9525">
+              <a14:hiddenLine xmlns="" xmlns:a14="http://schemas.microsoft.com/office/drawing/2010/main" w="9525">
                 <a:solidFill>
                   <a:srgbClr val="000000"/>
                 </a:solidFill>
@@ -1851,7 +1851,7 @@
           <a:p>
             <a:fld id="{01054502-E482-45BF-A728-B52144ABF0AA}" type="datetimeFigureOut">
               <a:rPr lang="hu-HU" smtClean="0"/>
-              <a:t>2023. 04. 28.</a:t>
+              <a:t>2023. 05. 02.</a:t>
             </a:fld>
             <a:endParaRPr lang="hu-HU"/>
           </a:p>
@@ -2008,7 +2008,7 @@
           <a:ln/>
           <a:extLst>
             <a:ext uri="{91240B29-F687-4f45-9708-019B960494DF}">
-              <a14:hiddenLine xmlns:a14="http://schemas.microsoft.com/office/drawing/2010/main" xmlns="" w="9525">
+              <a14:hiddenLine xmlns="" xmlns:a14="http://schemas.microsoft.com/office/drawing/2010/main" w="9525">
                 <a:solidFill>
                   <a:srgbClr val="000000"/>
                 </a:solidFill>
@@ -2136,7 +2136,7 @@
           <a:p>
             <a:fld id="{01054502-E482-45BF-A728-B52144ABF0AA}" type="datetimeFigureOut">
               <a:rPr lang="hu-HU" smtClean="0"/>
-              <a:t>2023. 04. 28.</a:t>
+              <a:t>2023. 05. 02.</a:t>
             </a:fld>
             <a:endParaRPr lang="hu-HU"/>
           </a:p>
@@ -2291,7 +2291,7 @@
           <a:ln/>
           <a:extLst>
             <a:ext uri="{91240B29-F687-4f45-9708-019B960494DF}">
-              <a14:hiddenLine xmlns:a14="http://schemas.microsoft.com/office/drawing/2010/main" xmlns="" w="9525">
+              <a14:hiddenLine xmlns="" xmlns:a14="http://schemas.microsoft.com/office/drawing/2010/main" w="9525">
                 <a:solidFill>
                   <a:srgbClr val="000000"/>
                 </a:solidFill>
@@ -2419,7 +2419,7 @@
           <a:p>
             <a:fld id="{01054502-E482-45BF-A728-B52144ABF0AA}" type="datetimeFigureOut">
               <a:rPr lang="hu-HU" smtClean="0"/>
-              <a:t>2023. 04. 28.</a:t>
+              <a:t>2023. 05. 02.</a:t>
             </a:fld>
             <a:endParaRPr lang="hu-HU"/>
           </a:p>
@@ -2762,7 +2762,7 @@
           <a:p>
             <a:fld id="{01054502-E482-45BF-A728-B52144ABF0AA}" type="datetimeFigureOut">
               <a:rPr lang="hu-HU" smtClean="0"/>
-              <a:t>2023. 04. 28.</a:t>
+              <a:t>2023. 05. 02.</a:t>
             </a:fld>
             <a:endParaRPr lang="hu-HU"/>
           </a:p>
@@ -2917,7 +2917,7 @@
           <a:ln/>
           <a:extLst>
             <a:ext uri="{91240B29-F687-4f45-9708-019B960494DF}">
-              <a14:hiddenLine xmlns:a14="http://schemas.microsoft.com/office/drawing/2010/main" xmlns="" w="9525">
+              <a14:hiddenLine xmlns="" xmlns:a14="http://schemas.microsoft.com/office/drawing/2010/main" w="9525">
                 <a:solidFill>
                   <a:srgbClr val="000000"/>
                 </a:solidFill>
@@ -3101,7 +3101,7 @@
           <a:p>
             <a:fld id="{01054502-E482-45BF-A728-B52144ABF0AA}" type="datetimeFigureOut">
               <a:rPr lang="hu-HU" smtClean="0"/>
-              <a:t>2023. 04. 28.</a:t>
+              <a:t>2023. 05. 02.</a:t>
             </a:fld>
             <a:endParaRPr lang="hu-HU"/>
           </a:p>
@@ -3256,7 +3256,7 @@
           <a:ln/>
           <a:extLst>
             <a:ext uri="{91240B29-F687-4f45-9708-019B960494DF}">
-              <a14:hiddenLine xmlns:a14="http://schemas.microsoft.com/office/drawing/2010/main" xmlns="" w="9525">
+              <a14:hiddenLine xmlns="" xmlns:a14="http://schemas.microsoft.com/office/drawing/2010/main" w="9525">
                 <a:solidFill>
                   <a:srgbClr val="000000"/>
                 </a:solidFill>
@@ -3578,7 +3578,7 @@
           <a:p>
             <a:fld id="{01054502-E482-45BF-A728-B52144ABF0AA}" type="datetimeFigureOut">
               <a:rPr lang="hu-HU" smtClean="0"/>
-              <a:t>2023. 04. 28.</a:t>
+              <a:t>2023. 05. 02.</a:t>
             </a:fld>
             <a:endParaRPr lang="hu-HU"/>
           </a:p>
@@ -3733,7 +3733,7 @@
           <a:ln/>
           <a:extLst>
             <a:ext uri="{91240B29-F687-4f45-9708-019B960494DF}">
-              <a14:hiddenLine xmlns:a14="http://schemas.microsoft.com/office/drawing/2010/main" xmlns="" w="9525">
+              <a14:hiddenLine xmlns="" xmlns:a14="http://schemas.microsoft.com/office/drawing/2010/main" w="9525">
                 <a:solidFill>
                   <a:srgbClr val="000000"/>
                 </a:solidFill>
@@ -3799,7 +3799,7 @@
           <a:p>
             <a:fld id="{01054502-E482-45BF-A728-B52144ABF0AA}" type="datetimeFigureOut">
               <a:rPr lang="hu-HU" smtClean="0"/>
-              <a:t>2023. 04. 28.</a:t>
+              <a:t>2023. 05. 02.</a:t>
             </a:fld>
             <a:endParaRPr lang="hu-HU"/>
           </a:p>
@@ -3894,7 +3894,7 @@
           <a:p>
             <a:fld id="{01054502-E482-45BF-A728-B52144ABF0AA}" type="datetimeFigureOut">
               <a:rPr lang="hu-HU" smtClean="0"/>
-              <a:t>2023. 04. 28.</a:t>
+              <a:t>2023. 05. 02.</a:t>
             </a:fld>
             <a:endParaRPr lang="hu-HU"/>
           </a:p>
@@ -4162,7 +4162,7 @@
           <a:ln/>
           <a:extLst>
             <a:ext uri="{91240B29-F687-4f45-9708-019B960494DF}">
-              <a14:hiddenLine xmlns:a14="http://schemas.microsoft.com/office/drawing/2010/main" xmlns="" w="9525">
+              <a14:hiddenLine xmlns="" xmlns:a14="http://schemas.microsoft.com/office/drawing/2010/main" w="9525">
                 <a:solidFill>
                   <a:srgbClr val="000000"/>
                 </a:solidFill>
@@ -4361,7 +4361,7 @@
           <a:p>
             <a:fld id="{01054502-E482-45BF-A728-B52144ABF0AA}" type="datetimeFigureOut">
               <a:rPr lang="hu-HU" smtClean="0"/>
-              <a:t>2023. 04. 28.</a:t>
+              <a:t>2023. 05. 02.</a:t>
             </a:fld>
             <a:endParaRPr lang="hu-HU"/>
           </a:p>
@@ -4674,7 +4674,7 @@
           <a:p>
             <a:fld id="{01054502-E482-45BF-A728-B52144ABF0AA}" type="datetimeFigureOut">
               <a:rPr lang="hu-HU" smtClean="0"/>
-              <a:t>2023. 04. 28.</a:t>
+              <a:t>2023. 05. 02.</a:t>
             </a:fld>
             <a:endParaRPr lang="hu-HU"/>
           </a:p>
@@ -4944,7 +4944,7 @@
           <a:p>
             <a:fld id="{01054502-E482-45BF-A728-B52144ABF0AA}" type="datetimeFigureOut">
               <a:rPr lang="hu-HU" smtClean="0"/>
-              <a:t>2023. 04. 28.</a:t>
+              <a:t>2023. 05. 02.</a:t>
             </a:fld>
             <a:endParaRPr lang="hu-HU"/>
           </a:p>
@@ -5403,33 +5403,10 @@
             <p:ph type="ctrTitle"/>
           </p:nvPr>
         </p:nvSpPr>
-        <p:spPr/>
-        <p:txBody>
-          <a:bodyPr/>
-          <a:lstStyle/>
-          <a:p>
-            <a:r>
-              <a:rPr lang="hu-HU" dirty="0" smtClean="0"/>
-              <a:t>CSGO</a:t>
-            </a:r>
-            <a:endParaRPr lang="hu-HU" dirty="0"/>
-          </a:p>
-        </p:txBody>
-      </p:sp>
-      <p:sp>
-        <p:nvSpPr>
-          <p:cNvPr id="3" name="Alcím 2"/>
-          <p:cNvSpPr>
-            <a:spLocks noGrp="1"/>
-          </p:cNvSpPr>
-          <p:nvPr>
-            <p:ph type="subTitle" idx="1"/>
-          </p:nvPr>
-        </p:nvSpPr>
         <p:spPr>
           <a:xfrm>
-            <a:off x="3740150" y="3509963"/>
-            <a:ext cx="4711700" cy="1655762"/>
+            <a:off x="848101" y="431800"/>
+            <a:ext cx="10572000" cy="2971051"/>
           </a:xfrm>
         </p:spPr>
         <p:txBody>
@@ -5437,13 +5414,81 @@
           <a:lstStyle/>
           <a:p>
             <a:r>
-              <a:rPr lang="hu-HU" dirty="0" smtClean="0"/>
+              <a:rPr lang="hu-HU" dirty="0" smtClean="0">
+                <a:latin typeface="Algerian" panose="04020705040A02060702" pitchFamily="82" charset="0"/>
+              </a:rPr>
+              <a:t>CSGO</a:t>
+            </a:r>
+            <a:endParaRPr lang="hu-HU" dirty="0">
+              <a:latin typeface="Algerian" panose="04020705040A02060702" pitchFamily="82" charset="0"/>
+            </a:endParaRPr>
+          </a:p>
+        </p:txBody>
+      </p:sp>
+      <p:sp>
+        <p:nvSpPr>
+          <p:cNvPr id="3" name="Alcím 2"/>
+          <p:cNvSpPr>
+            <a:spLocks noGrp="1"/>
+          </p:cNvSpPr>
+          <p:nvPr>
+            <p:ph type="subTitle" idx="1"/>
+          </p:nvPr>
+        </p:nvSpPr>
+        <p:spPr>
+          <a:xfrm>
+            <a:off x="336550" y="3687763"/>
+            <a:ext cx="5238750" cy="1655762"/>
+          </a:xfrm>
+        </p:spPr>
+        <p:txBody>
+          <a:bodyPr>
+            <a:normAutofit/>
+          </a:bodyPr>
+          <a:lstStyle/>
+          <a:p>
+            <a:r>
+              <a:rPr lang="hu-HU" sz="2600" dirty="0" smtClean="0">
+                <a:latin typeface="Brush Script MT" panose="03060802040406070304" pitchFamily="66" charset="0"/>
+              </a:rPr>
               <a:t>Készítette: Tompa Tamás, Szántó Barna, Ambrus Márton, Németh Viktor, Juhász Bence</a:t>
             </a:r>
-            <a:endParaRPr lang="hu-HU" dirty="0"/>
-          </a:p>
-        </p:txBody>
-      </p:sp>
+            <a:endParaRPr lang="hu-HU" sz="2600" dirty="0">
+              <a:latin typeface="Brush Script MT" panose="03060802040406070304" pitchFamily="66" charset="0"/>
+            </a:endParaRPr>
+          </a:p>
+        </p:txBody>
+      </p:sp>
+      <p:pic>
+        <p:nvPicPr>
+          <p:cNvPr id="5" name="Kép 4" descr="Showerthought- Servers aren't Valve Anti-Cheat &quot;secure&quot;, rather they're ..."/>
+          <p:cNvPicPr>
+            <a:picLocks noChangeAspect="1"/>
+          </p:cNvPicPr>
+          <p:nvPr/>
+        </p:nvPicPr>
+        <p:blipFill>
+          <a:blip r:embed="rId2">
+            <a:extLst>
+              <a:ext uri="{28A0092B-C50C-407E-A947-70E740481C1C}">
+                <a14:useLocalDpi xmlns:a14="http://schemas.microsoft.com/office/drawing/2010/main" val="0"/>
+              </a:ext>
+            </a:extLst>
+          </a:blip>
+          <a:stretch>
+            <a:fillRect/>
+          </a:stretch>
+        </p:blipFill>
+        <p:spPr>
+          <a:xfrm>
+            <a:off x="5664200" y="-1"/>
+            <a:ext cx="6527800" cy="6858919"/>
+          </a:xfrm>
+          <a:prstGeom prst="rect">
+            <a:avLst/>
+          </a:prstGeom>
+        </p:spPr>
+      </p:pic>
     </p:spTree>
     <p:extLst>
       <p:ext uri="{BB962C8B-B14F-4D97-AF65-F5344CB8AC3E}">
@@ -5454,6 +5499,25 @@
   <p:clrMapOvr>
     <a:masterClrMapping/>
   </p:clrMapOvr>
+  <mc:AlternateContent xmlns:mc="http://schemas.openxmlformats.org/markup-compatibility/2006">
+    <mc:Choice xmlns:p15="http://schemas.microsoft.com/office/powerpoint/2012/main" Requires="p15">
+      <p:transition xmlns:p14="http://schemas.microsoft.com/office/powerpoint/2010/main" spd="slow" p14:dur="6000">
+        <p15:prstTrans prst="curtains"/>
+      </p:transition>
+    </mc:Choice>
+    <mc:Fallback>
+      <p:transition spd="slow">
+        <p:fade/>
+      </p:transition>
+    </mc:Fallback>
+  </mc:AlternateContent>
+  <p:timing>
+    <p:tnLst>
+      <p:par>
+        <p:cTn id="1" dur="indefinite" restart="never" nodeType="tmRoot"/>
+      </p:par>
+    </p:tnLst>
+  </p:timing>
 </p:sld>
 </file>
 
@@ -5653,6 +5717,25 @@
   <p:clrMapOvr>
     <a:masterClrMapping/>
   </p:clrMapOvr>
+  <mc:AlternateContent xmlns:mc="http://schemas.openxmlformats.org/markup-compatibility/2006">
+    <mc:Choice xmlns:p14="http://schemas.microsoft.com/office/powerpoint/2010/main" Requires="p14">
+      <p:transition spd="slow" p14:dur="1600">
+        <p14:gallery dir="l"/>
+      </p:transition>
+    </mc:Choice>
+    <mc:Fallback>
+      <p:transition spd="slow">
+        <p:fade/>
+      </p:transition>
+    </mc:Fallback>
+  </mc:AlternateContent>
+  <p:timing>
+    <p:tnLst>
+      <p:par>
+        <p:cTn id="1" dur="indefinite" restart="never" nodeType="tmRoot"/>
+      </p:par>
+    </p:tnLst>
+  </p:timing>
 </p:sld>
 </file>
 
@@ -5882,6 +5965,25 @@
   <p:clrMapOvr>
     <a:masterClrMapping/>
   </p:clrMapOvr>
+  <mc:AlternateContent xmlns:mc="http://schemas.openxmlformats.org/markup-compatibility/2006">
+    <mc:Choice xmlns:p14="http://schemas.microsoft.com/office/powerpoint/2010/main" Requires="p14">
+      <p:transition spd="slow" p14:dur="1600">
+        <p14:gallery dir="l"/>
+      </p:transition>
+    </mc:Choice>
+    <mc:Fallback>
+      <p:transition spd="slow">
+        <p:fade/>
+      </p:transition>
+    </mc:Fallback>
+  </mc:AlternateContent>
+  <p:timing>
+    <p:tnLst>
+      <p:par>
+        <p:cTn id="1" dur="indefinite" restart="never" nodeType="tmRoot"/>
+      </p:par>
+    </p:tnLst>
+  </p:timing>
 </p:sld>
 </file>
 
@@ -5937,7 +6039,7 @@
         </p:nvSpPr>
         <p:spPr>
           <a:xfrm>
-            <a:off x="838200" y="1825625"/>
+            <a:off x="647700" y="1152525"/>
             <a:ext cx="5486400" cy="4351338"/>
           </a:xfrm>
         </p:spPr>
@@ -5994,8 +6096,38 @@
         </p:blipFill>
         <p:spPr>
           <a:xfrm>
-            <a:off x="7692553" y="2487518"/>
-            <a:ext cx="3689445" cy="3689445"/>
+            <a:off x="1876448" y="4306876"/>
+            <a:ext cx="2393974" cy="2393974"/>
+          </a:xfrm>
+          <a:prstGeom prst="rect">
+            <a:avLst/>
+          </a:prstGeom>
+        </p:spPr>
+      </p:pic>
+      <p:pic>
+        <p:nvPicPr>
+          <p:cNvPr id="5" name="Kép 4" descr="Counter Strike Global Offensive CS:GO Artwork UHD 4K Wallpaper - Pixelz.cc"/>
+          <p:cNvPicPr>
+            <a:picLocks noChangeAspect="1"/>
+          </p:cNvPicPr>
+          <p:nvPr/>
+        </p:nvPicPr>
+        <p:blipFill>
+          <a:blip r:embed="rId3" cstate="print">
+            <a:extLst>
+              <a:ext uri="{28A0092B-C50C-407E-A947-70E740481C1C}">
+                <a14:useLocalDpi xmlns:a14="http://schemas.microsoft.com/office/drawing/2010/main" val="0"/>
+              </a:ext>
+            </a:extLst>
+          </a:blip>
+          <a:stretch>
+            <a:fillRect/>
+          </a:stretch>
+        </p:blipFill>
+        <p:spPr>
+          <a:xfrm>
+            <a:off x="6464299" y="2088706"/>
+            <a:ext cx="5498477" cy="3092894"/>
           </a:xfrm>
           <a:prstGeom prst="rect">
             <a:avLst/>
@@ -6012,6 +6144,25 @@
   <p:clrMapOvr>
     <a:masterClrMapping/>
   </p:clrMapOvr>
+  <mc:AlternateContent xmlns:mc="http://schemas.openxmlformats.org/markup-compatibility/2006">
+    <mc:Choice xmlns:p14="http://schemas.microsoft.com/office/powerpoint/2010/main" Requires="p14">
+      <p:transition spd="slow" p14:dur="1600">
+        <p14:gallery dir="l"/>
+      </p:transition>
+    </mc:Choice>
+    <mc:Fallback>
+      <p:transition spd="slow">
+        <p:fade/>
+      </p:transition>
+    </mc:Fallback>
+  </mc:AlternateContent>
+  <p:timing>
+    <p:tnLst>
+      <p:par>
+        <p:cTn id="1" dur="indefinite" restart="never" nodeType="tmRoot"/>
+      </p:par>
+    </p:tnLst>
+  </p:timing>
 </p:sld>
 </file>
 
@@ -6155,6 +6306,25 @@
   <p:clrMapOvr>
     <a:masterClrMapping/>
   </p:clrMapOvr>
+  <mc:AlternateContent xmlns:mc="http://schemas.openxmlformats.org/markup-compatibility/2006">
+    <mc:Choice xmlns:p14="http://schemas.microsoft.com/office/powerpoint/2010/main" Requires="p14">
+      <p:transition spd="slow" p14:dur="1600">
+        <p14:gallery dir="l"/>
+      </p:transition>
+    </mc:Choice>
+    <mc:Fallback>
+      <p:transition spd="slow">
+        <p:fade/>
+      </p:transition>
+    </mc:Fallback>
+  </mc:AlternateContent>
+  <p:timing>
+    <p:tnLst>
+      <p:par>
+        <p:cTn id="1" dur="indefinite" restart="never" nodeType="tmRoot"/>
+      </p:par>
+    </p:tnLst>
+  </p:timing>
 </p:sld>
 </file>
 
